--- a/JAVA PPT/Day13.pptx
+++ b/JAVA PPT/Day13.pptx
@@ -247,6 +247,22 @@
       </a:defRPr>
     </a:lvl9pPr>
   </p:defaultTextStyle>
+  <p:extLst>
+    <p:ext uri="{EFAFB233-063F-42B5-8137-9DF3F51BA10A}">
+      <p15:sldGuideLst xmlns:p15="http://schemas.microsoft.com/office/powerpoint/2012/main">
+        <p15:guide id="1" orient="horz" pos="1620" userDrawn="1">
+          <p15:clr>
+            <a:srgbClr val="A4A3A4"/>
+          </p15:clr>
+        </p15:guide>
+        <p15:guide id="2" pos="2876" userDrawn="1">
+          <p15:clr>
+            <a:srgbClr val="A4A3A4"/>
+          </p15:clr>
+        </p15:guide>
+      </p15:sldGuideLst>
+    </p:ext>
+  </p:extLst>
 </p:presentation>
 </file>
 
@@ -13556,23 +13572,27 @@
       </p:sp>
       <p:pic>
         <p:nvPicPr>
-          <p:cNvPr id="2" name="Picture 1" descr="obj"/>
+          <p:cNvPr id="5" name="Picture 4"/>
           <p:cNvPicPr>
             <a:picLocks noChangeAspect="1"/>
           </p:cNvPicPr>
-          <p:nvPr/>
+          <p:nvPr>
+            <p:custDataLst>
+              <p:tags r:id="rId1"/>
+            </p:custDataLst>
+          </p:nvPr>
         </p:nvPicPr>
         <p:blipFill>
-          <a:blip r:embed="rId1"/>
-          <a:srcRect l="6323" t="6272" r="6945" b="6765"/>
+          <a:blip r:embed="rId2"/>
+          <a:srcRect l="5246" t="6075" r="4952" b="4995"/>
           <a:stretch>
             <a:fillRect/>
           </a:stretch>
         </p:blipFill>
         <p:spPr>
           <a:xfrm>
-            <a:off x="1242060" y="662940"/>
-            <a:ext cx="3712845" cy="3829050"/>
+            <a:off x="1303020" y="739140"/>
+            <a:ext cx="3850640" cy="3674110"/>
           </a:xfrm>
           <a:prstGeom prst="rect">
             <a:avLst/>
@@ -13581,23 +13601,27 @@
       </p:pic>
       <p:pic>
         <p:nvPicPr>
-          <p:cNvPr id="3" name="Picture 2" descr="objoutput"/>
+          <p:cNvPr id="6" name="Picture 5"/>
           <p:cNvPicPr>
             <a:picLocks noChangeAspect="1"/>
           </p:cNvPicPr>
-          <p:nvPr/>
+          <p:nvPr>
+            <p:custDataLst>
+              <p:tags r:id="rId3"/>
+            </p:custDataLst>
+          </p:nvPr>
         </p:nvPicPr>
         <p:blipFill>
-          <a:blip r:embed="rId2"/>
-          <a:srcRect l="15570" t="12889" r="15631" b="12802"/>
+          <a:blip r:embed="rId4"/>
+          <a:srcRect l="12143" t="14509" r="11887" b="14100"/>
           <a:stretch>
             <a:fillRect/>
           </a:stretch>
         </p:blipFill>
         <p:spPr>
           <a:xfrm>
-            <a:off x="5861685" y="591820"/>
-            <a:ext cx="2853690" cy="3822065"/>
+            <a:off x="5627370" y="1341120"/>
+            <a:ext cx="2919095" cy="2247900"/>
           </a:xfrm>
           <a:prstGeom prst="rect">
             <a:avLst/>
@@ -13612,140 +13636,23 @@
   <p:timing>
     <p:tnLst>
       <p:par>
-        <p:cTn id="1" dur="indefinite" restart="never" nodeType="tmRoot">
-          <p:childTnLst>
-            <p:seq concurrent="1" nextAc="seek">
-              <p:cTn id="2" dur="indefinite" nodeType="mainSeq">
-                <p:childTnLst>
-                  <p:par>
-                    <p:cTn id="3" fill="hold">
-                      <p:stCondLst>
-                        <p:cond delay="indefinite"/>
-                      </p:stCondLst>
-                      <p:childTnLst>
-                        <p:par>
-                          <p:cTn id="4" fill="hold">
-                            <p:stCondLst>
-                              <p:cond delay="0"/>
-                            </p:stCondLst>
-                            <p:childTnLst>
-                              <p:par>
-                                <p:cTn id="5" presetID="10" presetClass="entr" presetSubtype="0" fill="hold" nodeType="clickEffect">
-                                  <p:stCondLst>
-                                    <p:cond delay="0"/>
-                                  </p:stCondLst>
-                                  <p:childTnLst>
-                                    <p:set>
-                                      <p:cBhvr>
-                                        <p:cTn id="6" dur="1" fill="hold">
-                                          <p:stCondLst>
-                                            <p:cond delay="0"/>
-                                          </p:stCondLst>
-                                        </p:cTn>
-                                        <p:tgtEl>
-                                          <p:spTgt spid="2"/>
-                                        </p:tgtEl>
-                                        <p:attrNameLst>
-                                          <p:attrName>style.visibility</p:attrName>
-                                        </p:attrNameLst>
-                                      </p:cBhvr>
-                                      <p:to>
-                                        <p:strVal val="visible"/>
-                                      </p:to>
-                                    </p:set>
-                                    <p:animEffect transition="in" filter="fade">
-                                      <p:cBhvr>
-                                        <p:cTn id="7" dur="500"/>
-                                        <p:tgtEl>
-                                          <p:spTgt spid="2"/>
-                                        </p:tgtEl>
-                                      </p:cBhvr>
-                                    </p:animEffect>
-                                  </p:childTnLst>
-                                </p:cTn>
-                              </p:par>
-                            </p:childTnLst>
-                          </p:cTn>
-                        </p:par>
-                      </p:childTnLst>
-                    </p:cTn>
-                  </p:par>
-                  <p:par>
-                    <p:cTn id="8" fill="hold">
-                      <p:stCondLst>
-                        <p:cond delay="indefinite"/>
-                      </p:stCondLst>
-                      <p:childTnLst>
-                        <p:par>
-                          <p:cTn id="9" fill="hold">
-                            <p:stCondLst>
-                              <p:cond delay="0"/>
-                            </p:stCondLst>
-                            <p:childTnLst>
-                              <p:par>
-                                <p:cTn id="10" presetID="10" presetClass="entr" presetSubtype="0" fill="hold" nodeType="clickEffect">
-                                  <p:stCondLst>
-                                    <p:cond delay="0"/>
-                                  </p:stCondLst>
-                                  <p:childTnLst>
-                                    <p:set>
-                                      <p:cBhvr>
-                                        <p:cTn id="11" dur="1" fill="hold">
-                                          <p:stCondLst>
-                                            <p:cond delay="0"/>
-                                          </p:stCondLst>
-                                        </p:cTn>
-                                        <p:tgtEl>
-                                          <p:spTgt spid="3"/>
-                                        </p:tgtEl>
-                                        <p:attrNameLst>
-                                          <p:attrName>style.visibility</p:attrName>
-                                        </p:attrNameLst>
-                                      </p:cBhvr>
-                                      <p:to>
-                                        <p:strVal val="visible"/>
-                                      </p:to>
-                                    </p:set>
-                                    <p:animEffect transition="in" filter="fade">
-                                      <p:cBhvr>
-                                        <p:cTn id="12" dur="500"/>
-                                        <p:tgtEl>
-                                          <p:spTgt spid="3"/>
-                                        </p:tgtEl>
-                                      </p:cBhvr>
-                                    </p:animEffect>
-                                  </p:childTnLst>
-                                </p:cTn>
-                              </p:par>
-                            </p:childTnLst>
-                          </p:cTn>
-                        </p:par>
-                      </p:childTnLst>
-                    </p:cTn>
-                  </p:par>
-                </p:childTnLst>
-              </p:cTn>
-              <p:prevCondLst>
-                <p:cond evt="onPrev" delay="0">
-                  <p:tgtEl>
-                    <p:sldTgt/>
-                  </p:tgtEl>
-                </p:cond>
-              </p:prevCondLst>
-              <p:nextCondLst>
-                <p:cond evt="onNext" delay="0">
-                  <p:tgtEl>
-                    <p:sldTgt/>
-                  </p:tgtEl>
-                </p:cond>
-              </p:nextCondLst>
-            </p:seq>
-          </p:childTnLst>
-        </p:cTn>
+        <p:cTn id="1" dur="indefinite" restart="never" nodeType="tmRoot"/>
       </p:par>
     </p:tnLst>
   </p:timing>
 </p:sld>
+</file>
+
+<file path=ppt/tags/tag1.xml><?xml version="1.0" encoding="utf-8"?>
+<p:tagLst xmlns:p="http://schemas.openxmlformats.org/presentationml/2006/main">
+  <p:tag name="KSO_WM_BEAUTIFY_FLAG" val=""/>
+</p:tagLst>
+</file>
+
+<file path=ppt/tags/tag2.xml><?xml version="1.0" encoding="utf-8"?>
+<p:tagLst xmlns:p="http://schemas.openxmlformats.org/presentationml/2006/main">
+  <p:tag name="KSO_WM_BEAUTIFY_FLAG" val=""/>
+</p:tagLst>
 </file>
 
 <file path=ppt/theme/theme1.xml><?xml version="1.0" encoding="utf-8"?>

--- a/JAVA PPT/Day13.pptx
+++ b/JAVA PPT/Day13.pptx
@@ -251,6 +251,11 @@
     <p:ext uri="{EFAFB233-063F-42B5-8137-9DF3F51BA10A}">
       <p15:sldGuideLst xmlns:p15="http://schemas.microsoft.com/office/powerpoint/2012/main">
         <p15:guide id="1" orient="horz" pos="1620" userDrawn="1">
+          <p15:clr>
+            <a:srgbClr val="A4A3A4"/>
+          </p15:clr>
+        </p15:guide>
+        <p15:guide id="2" pos="2880" userDrawn="1">
           <p15:clr>
             <a:srgbClr val="A4A3A4"/>
           </p15:clr>
